--- a/Datalink und Videostream.pptx
+++ b/Datalink und Videostream.pptx
@@ -6,13 +6,14 @@
     <p:sldMasterId id="2147483668" r:id="rId6"/>
   </p:sldMasterIdLst>
   <p:notesMasterIdLst>
-    <p:notesMasterId r:id="rId11"/>
+    <p:notesMasterId r:id="rId12"/>
   </p:notesMasterIdLst>
   <p:sldIdLst>
     <p:sldId id="257" r:id="rId7"/>
-    <p:sldId id="259" r:id="rId8"/>
-    <p:sldId id="260" r:id="rId9"/>
-    <p:sldId id="261" r:id="rId10"/>
+    <p:sldId id="262" r:id="rId8"/>
+    <p:sldId id="259" r:id="rId9"/>
+    <p:sldId id="260" r:id="rId10"/>
+    <p:sldId id="261" r:id="rId11"/>
   </p:sldIdLst>
   <p:sldSz cx="12192000" cy="6858000"/>
   <p:notesSz cx="6858000" cy="9144000"/>
@@ -120,6 +121,11 @@
           </p15:clr>
         </p15:guide>
         <p15:guide id="2" pos="3840" userDrawn="1">
+          <p15:clr>
+            <a:srgbClr val="A4A3A4"/>
+          </p15:clr>
+        </p15:guide>
+        <p15:guide id="3" orient="horz" pos="2260" userDrawn="1">
           <p15:clr>
             <a:srgbClr val="A4A3A4"/>
           </p15:clr>
@@ -4114,8 +4120,8 @@
       </dsp:nvSpPr>
       <dsp:spPr>
         <a:xfrm>
-          <a:off x="0" y="621765"/>
-          <a:ext cx="1400751" cy="840451"/>
+          <a:off x="0" y="578800"/>
+          <a:ext cx="1394074" cy="836444"/>
         </a:xfrm>
         <a:prstGeom prst="roundRect">
           <a:avLst>
@@ -4182,8 +4188,8 @@
         </a:p>
       </dsp:txBody>
       <dsp:txXfrm>
-        <a:off x="24616" y="646381"/>
-        <a:ext cx="1351519" cy="791219"/>
+        <a:off x="24499" y="603299"/>
+        <a:ext cx="1345076" cy="787446"/>
       </dsp:txXfrm>
     </dsp:sp>
     <dsp:sp modelId="{3A54A618-A6DD-B044-8771-5EE0DA2F153A}">
@@ -4193,8 +4199,8 @@
       </dsp:nvSpPr>
       <dsp:spPr>
         <a:xfrm>
-          <a:off x="1540826" y="868297"/>
-          <a:ext cx="296959" cy="347386"/>
+          <a:off x="1533482" y="824157"/>
+          <a:ext cx="295543" cy="345730"/>
         </a:xfrm>
         <a:prstGeom prst="rightArrow">
           <a:avLst>
@@ -4252,8 +4258,8 @@
         </a:p>
       </dsp:txBody>
       <dsp:txXfrm>
-        <a:off x="1540826" y="937774"/>
-        <a:ext cx="207871" cy="208432"/>
+        <a:off x="1533482" y="893303"/>
+        <a:ext cx="206880" cy="207438"/>
       </dsp:txXfrm>
     </dsp:sp>
     <dsp:sp modelId="{6EAEACC1-D293-AD43-9307-AC219C416524}">
@@ -4263,8 +4269,8 @@
       </dsp:nvSpPr>
       <dsp:spPr>
         <a:xfrm>
-          <a:off x="1961052" y="621765"/>
-          <a:ext cx="1400751" cy="840451"/>
+          <a:off x="1951704" y="578800"/>
+          <a:ext cx="1394074" cy="836444"/>
         </a:xfrm>
         <a:prstGeom prst="roundRect">
           <a:avLst>
@@ -4339,8 +4345,8 @@
         </a:p>
       </dsp:txBody>
       <dsp:txXfrm>
-        <a:off x="1985668" y="646381"/>
-        <a:ext cx="1351519" cy="791219"/>
+        <a:off x="1976203" y="603299"/>
+        <a:ext cx="1345076" cy="787446"/>
       </dsp:txXfrm>
     </dsp:sp>
     <dsp:sp modelId="{B04B6CC0-86AD-3B43-A4A3-F0CB82973EAE}">
@@ -4350,8 +4356,8 @@
       </dsp:nvSpPr>
       <dsp:spPr>
         <a:xfrm>
-          <a:off x="3501879" y="868297"/>
-          <a:ext cx="296959" cy="347386"/>
+          <a:off x="3485187" y="824157"/>
+          <a:ext cx="295543" cy="345730"/>
         </a:xfrm>
         <a:prstGeom prst="rightArrow">
           <a:avLst>
@@ -4409,8 +4415,8 @@
         </a:p>
       </dsp:txBody>
       <dsp:txXfrm>
-        <a:off x="3501879" y="937774"/>
-        <a:ext cx="207871" cy="208432"/>
+        <a:off x="3485187" y="893303"/>
+        <a:ext cx="206880" cy="207438"/>
       </dsp:txXfrm>
     </dsp:sp>
     <dsp:sp modelId="{EA96A984-AAC8-6648-B211-60FCC3426C77}">
@@ -4420,8 +4426,8 @@
       </dsp:nvSpPr>
       <dsp:spPr>
         <a:xfrm>
-          <a:off x="3922104" y="621765"/>
-          <a:ext cx="1400751" cy="840451"/>
+          <a:off x="3903409" y="578800"/>
+          <a:ext cx="1394074" cy="836444"/>
         </a:xfrm>
         <a:prstGeom prst="roundRect">
           <a:avLst>
@@ -4488,8 +4494,8 @@
         </a:p>
       </dsp:txBody>
       <dsp:txXfrm>
-        <a:off x="3946720" y="646381"/>
-        <a:ext cx="1351519" cy="791219"/>
+        <a:off x="3927908" y="603299"/>
+        <a:ext cx="1345076" cy="787446"/>
       </dsp:txXfrm>
     </dsp:sp>
     <dsp:sp modelId="{C500862D-58C7-394F-B474-E23592DA7079}">
@@ -4499,8 +4505,8 @@
       </dsp:nvSpPr>
       <dsp:spPr>
         <a:xfrm>
-          <a:off x="5462931" y="868297"/>
-          <a:ext cx="296959" cy="347386"/>
+          <a:off x="5436892" y="824157"/>
+          <a:ext cx="295543" cy="345730"/>
         </a:xfrm>
         <a:prstGeom prst="rightArrow">
           <a:avLst>
@@ -4558,8 +4564,8 @@
         </a:p>
       </dsp:txBody>
       <dsp:txXfrm>
-        <a:off x="5462931" y="937774"/>
-        <a:ext cx="207871" cy="208432"/>
+        <a:off x="5436892" y="893303"/>
+        <a:ext cx="206880" cy="207438"/>
       </dsp:txXfrm>
     </dsp:sp>
     <dsp:sp modelId="{EBD9ED58-A4D7-5B44-BD7B-6E5A86A50EEE}">
@@ -4569,8 +4575,8 @@
       </dsp:nvSpPr>
       <dsp:spPr>
         <a:xfrm>
-          <a:off x="5883157" y="621765"/>
-          <a:ext cx="1400751" cy="840451"/>
+          <a:off x="5855114" y="578800"/>
+          <a:ext cx="1394074" cy="836444"/>
         </a:xfrm>
         <a:prstGeom prst="roundRect">
           <a:avLst>
@@ -4637,8 +4643,8 @@
         </a:p>
       </dsp:txBody>
       <dsp:txXfrm>
-        <a:off x="5907773" y="646381"/>
-        <a:ext cx="1351519" cy="791219"/>
+        <a:off x="5879613" y="603299"/>
+        <a:ext cx="1345076" cy="787446"/>
       </dsp:txXfrm>
     </dsp:sp>
     <dsp:sp modelId="{A23AC95C-D861-9844-8A8C-D7B394D90A33}">
@@ -4648,8 +4654,8 @@
       </dsp:nvSpPr>
       <dsp:spPr>
         <a:xfrm>
-          <a:off x="7423984" y="868297"/>
-          <a:ext cx="296959" cy="347386"/>
+          <a:off x="7388596" y="824157"/>
+          <a:ext cx="295543" cy="345730"/>
         </a:xfrm>
         <a:prstGeom prst="rightArrow">
           <a:avLst>
@@ -4707,8 +4713,8 @@
         </a:p>
       </dsp:txBody>
       <dsp:txXfrm>
-        <a:off x="7423984" y="937774"/>
-        <a:ext cx="207871" cy="208432"/>
+        <a:off x="7388596" y="893303"/>
+        <a:ext cx="206880" cy="207438"/>
       </dsp:txXfrm>
     </dsp:sp>
     <dsp:sp modelId="{422D128C-C2B7-BE40-A5F4-166BD26BC861}">
@@ -4718,8 +4724,8 @@
       </dsp:nvSpPr>
       <dsp:spPr>
         <a:xfrm>
-          <a:off x="7844209" y="621765"/>
-          <a:ext cx="1400751" cy="840451"/>
+          <a:off x="7806819" y="578800"/>
+          <a:ext cx="1394074" cy="836444"/>
         </a:xfrm>
         <a:prstGeom prst="roundRect">
           <a:avLst>
@@ -4786,8 +4792,8 @@
         </a:p>
       </dsp:txBody>
       <dsp:txXfrm>
-        <a:off x="7868825" y="646381"/>
-        <a:ext cx="1351519" cy="791219"/>
+        <a:off x="7831318" y="603299"/>
+        <a:ext cx="1345076" cy="787446"/>
       </dsp:txXfrm>
     </dsp:sp>
     <dsp:sp modelId="{2D4A7D06-E751-1146-81AB-EAC550655ED8}">
@@ -4797,8 +4803,8 @@
       </dsp:nvSpPr>
       <dsp:spPr>
         <a:xfrm>
-          <a:off x="9385036" y="868297"/>
-          <a:ext cx="296959" cy="347386"/>
+          <a:off x="9340301" y="824157"/>
+          <a:ext cx="295543" cy="345730"/>
         </a:xfrm>
         <a:prstGeom prst="rightArrow">
           <a:avLst>
@@ -4856,8 +4862,8 @@
         </a:p>
       </dsp:txBody>
       <dsp:txXfrm>
-        <a:off x="9385036" y="937774"/>
-        <a:ext cx="207871" cy="208432"/>
+        <a:off x="9340301" y="893303"/>
+        <a:ext cx="206880" cy="207438"/>
       </dsp:txXfrm>
     </dsp:sp>
     <dsp:sp modelId="{26DA5697-7E60-414E-A8CA-F93125ACB63D}">
@@ -4867,8 +4873,8 @@
       </dsp:nvSpPr>
       <dsp:spPr>
         <a:xfrm>
-          <a:off x="9805262" y="621765"/>
-          <a:ext cx="1400751" cy="840451"/>
+          <a:off x="9758524" y="578800"/>
+          <a:ext cx="1394074" cy="836444"/>
         </a:xfrm>
         <a:prstGeom prst="roundRect">
           <a:avLst>
@@ -4935,8 +4941,8 @@
         </a:p>
       </dsp:txBody>
       <dsp:txXfrm>
-        <a:off x="9829878" y="646381"/>
-        <a:ext cx="1351519" cy="791219"/>
+        <a:off x="9783023" y="603299"/>
+        <a:ext cx="1345076" cy="787446"/>
       </dsp:txXfrm>
     </dsp:sp>
   </dsp:spTree>
@@ -16891,6 +16897,16 @@
             </a:pPr>
             <a:r>
               <a:rPr lang="de-DE" sz="1600" dirty="0"/>
+              <a:t>Ad-hoc-Kompatibilität durch Wifi-Erweiterung durch andere Drohnen mit gleicher HW</a:t>
+            </a:r>
+          </a:p>
+          <a:p>
+            <a:pPr marL="171450" indent="-171450">
+              <a:buFontTx/>
+              <a:buChar char="-"/>
+            </a:pPr>
+            <a:r>
+              <a:rPr lang="de-DE" sz="1600" dirty="0"/>
               <a:t>Paralleles Aufnehmen und Darstellen des Videostreams</a:t>
             </a:r>
           </a:p>
@@ -16939,6 +16955,320 @@
               <a:t>Latenz: &lt; 1 s</a:t>
             </a:r>
           </a:p>
+          <a:p>
+            <a:pPr marL="171450" indent="-171450">
+              <a:buFontTx/>
+              <a:buChar char="-"/>
+            </a:pPr>
+            <a:r>
+              <a:rPr lang="de-DE" sz="1600" dirty="0"/>
+              <a:t>Verwendete Hardware und Framework: </a:t>
+            </a:r>
+          </a:p>
+          <a:p>
+            <a:pPr marL="914400" lvl="1" indent="-171450">
+              <a:buFontTx/>
+              <a:buChar char="-"/>
+            </a:pPr>
+            <a:r>
+              <a:rPr lang="de-DE" dirty="0" err="1"/>
+              <a:t>Ubiquiti</a:t>
+            </a:r>
+            <a:r>
+              <a:rPr lang="de-DE" dirty="0"/>
+              <a:t> UAP-AC-M Wireless Access Point </a:t>
+            </a:r>
+            <a:r>
+              <a:rPr lang="de-DE" dirty="0" err="1"/>
+              <a:t>UniFi</a:t>
+            </a:r>
+            <a:r>
+              <a:rPr lang="de-DE" dirty="0"/>
+              <a:t> AP AC Mesh</a:t>
+            </a:r>
+          </a:p>
+          <a:p>
+            <a:pPr marL="914400" lvl="1" indent="-171450">
+              <a:buFontTx/>
+              <a:buChar char="-"/>
+            </a:pPr>
+            <a:r>
+              <a:rPr lang="de-DE" dirty="0" err="1"/>
+              <a:t>PoE-Injector</a:t>
+            </a:r>
+            <a:endParaRPr lang="de-DE" dirty="0"/>
+          </a:p>
+          <a:p>
+            <a:pPr marL="914400" lvl="1" indent="-171450">
+              <a:buFontTx/>
+              <a:buChar char="-"/>
+            </a:pPr>
+            <a:r>
+              <a:rPr lang="de-DE" dirty="0" err="1"/>
+              <a:t>GandAlf</a:t>
+            </a:r>
+            <a:r>
+              <a:rPr lang="de-DE" dirty="0"/>
+              <a:t>-Framework</a:t>
+            </a:r>
+          </a:p>
+        </p:txBody>
+      </p:sp>
+      <p:sp>
+        <p:nvSpPr>
+          <p:cNvPr id="3" name="Titel 2">
+            <a:extLst>
+              <a:ext uri="{FF2B5EF4-FFF2-40B4-BE49-F238E27FC236}">
+                <a16:creationId xmlns:a16="http://schemas.microsoft.com/office/drawing/2014/main" id="{2CB9DA9B-A368-3A92-D25D-439E611B58B8}"/>
+              </a:ext>
+            </a:extLst>
+          </p:cNvPr>
+          <p:cNvSpPr>
+            <a:spLocks noGrp="1"/>
+          </p:cNvSpPr>
+          <p:nvPr>
+            <p:ph type="title"/>
+          </p:nvPr>
+        </p:nvSpPr>
+        <p:spPr/>
+        <p:txBody>
+          <a:bodyPr>
+            <a:normAutofit fontScale="90000"/>
+          </a:bodyPr>
+          <a:lstStyle/>
+          <a:p>
+            <a:r>
+              <a:rPr lang="de-DE" dirty="0"/>
+              <a:t>Datenlink und Videoübertragung</a:t>
+            </a:r>
+          </a:p>
+        </p:txBody>
+      </p:sp>
+      <p:sp>
+        <p:nvSpPr>
+          <p:cNvPr id="4" name="Untertitel 3">
+            <a:extLst>
+              <a:ext uri="{FF2B5EF4-FFF2-40B4-BE49-F238E27FC236}">
+                <a16:creationId xmlns:a16="http://schemas.microsoft.com/office/drawing/2014/main" id="{572A797A-B8C9-DB07-8E18-DCA554E75D64}"/>
+              </a:ext>
+            </a:extLst>
+          </p:cNvPr>
+          <p:cNvSpPr>
+            <a:spLocks noGrp="1"/>
+          </p:cNvSpPr>
+          <p:nvPr>
+            <p:ph type="subTitle" idx="1"/>
+          </p:nvPr>
+        </p:nvSpPr>
+        <p:spPr/>
+        <p:txBody>
+          <a:bodyPr/>
+          <a:lstStyle/>
+          <a:p>
+            <a:r>
+              <a:rPr lang="de-DE" dirty="0"/>
+              <a:t>Anforderungen</a:t>
+            </a:r>
+          </a:p>
+        </p:txBody>
+      </p:sp>
+      <p:sp>
+        <p:nvSpPr>
+          <p:cNvPr id="5" name="Foliennummernplatzhalter 4">
+            <a:extLst>
+              <a:ext uri="{FF2B5EF4-FFF2-40B4-BE49-F238E27FC236}">
+                <a16:creationId xmlns:a16="http://schemas.microsoft.com/office/drawing/2014/main" id="{484B6FF3-1FAB-77C8-FF7A-5AD50A37F966}"/>
+              </a:ext>
+            </a:extLst>
+          </p:cNvPr>
+          <p:cNvSpPr>
+            <a:spLocks noGrp="1"/>
+          </p:cNvSpPr>
+          <p:nvPr>
+            <p:ph type="sldNum" sz="quarter" idx="16"/>
+          </p:nvPr>
+        </p:nvSpPr>
+        <p:spPr/>
+        <p:txBody>
+          <a:bodyPr/>
+          <a:lstStyle/>
+          <a:p>
+            <a:pPr>
+              <a:defRPr/>
+            </a:pPr>
+            <a:fld id="{FBA07125-F287-674A-B4D8-FED3251FDE20}" type="slidenum">
+              <a:rPr lang="de-DE" smtClean="0"/>
+              <a:pPr>
+                <a:defRPr/>
+              </a:pPr>
+              <a:t>1</a:t>
+            </a:fld>
+            <a:endParaRPr lang="de-DE" dirty="0"/>
+          </a:p>
+        </p:txBody>
+      </p:sp>
+      <p:pic>
+        <p:nvPicPr>
+          <p:cNvPr id="7" name="Grafik 6" descr="Wifi-Modul mit omnidirektionale Antennen: &#9;&#10;Ubiquiti UAP-AC-M Wireless Access Point UniFi AP AC Mesh">
+            <a:extLst>
+              <a:ext uri="{FF2B5EF4-FFF2-40B4-BE49-F238E27FC236}">
+                <a16:creationId xmlns:a16="http://schemas.microsoft.com/office/drawing/2014/main" id="{DCF0247E-FE4B-446F-1186-339ED4485336}"/>
+              </a:ext>
+              <a:ext uri="{C183D7F6-B498-43B3-948B-1728B52AA6E4}">
+                <adec:decorative xmlns:adec="http://schemas.microsoft.com/office/drawing/2017/decorative" val="0"/>
+              </a:ext>
+            </a:extLst>
+          </p:cNvPr>
+          <p:cNvPicPr>
+            <a:picLocks noChangeAspect="1"/>
+          </p:cNvPicPr>
+          <p:nvPr/>
+        </p:nvPicPr>
+        <p:blipFill>
+          <a:blip r:embed="rId2">
+            <a:extLst>
+              <a:ext uri="{28A0092B-C50C-407E-A947-70E740481C1C}">
+                <a14:useLocalDpi xmlns:a14="http://schemas.microsoft.com/office/drawing/2010/main" val="0"/>
+              </a:ext>
+            </a:extLst>
+          </a:blip>
+          <a:stretch>
+            <a:fillRect/>
+          </a:stretch>
+        </p:blipFill>
+        <p:spPr>
+          <a:xfrm>
+            <a:off x="6164032" y="2970281"/>
+            <a:ext cx="3244335" cy="3244335"/>
+          </a:xfrm>
+          <a:prstGeom prst="rect">
+            <a:avLst/>
+          </a:prstGeom>
+        </p:spPr>
+      </p:pic>
+      <p:sp>
+        <p:nvSpPr>
+          <p:cNvPr id="9" name="Textfeld 8">
+            <a:extLst>
+              <a:ext uri="{FF2B5EF4-FFF2-40B4-BE49-F238E27FC236}">
+                <a16:creationId xmlns:a16="http://schemas.microsoft.com/office/drawing/2014/main" id="{83E1D85D-548D-DE9D-F32B-A9BEBD25562C}"/>
+              </a:ext>
+            </a:extLst>
+          </p:cNvPr>
+          <p:cNvSpPr txBox="1"/>
+          <p:nvPr/>
+        </p:nvSpPr>
+        <p:spPr>
+          <a:xfrm>
+            <a:off x="6027968" y="5969666"/>
+            <a:ext cx="4815742" cy="369332"/>
+          </a:xfrm>
+          <a:prstGeom prst="rect">
+            <a:avLst/>
+          </a:prstGeom>
+          <a:noFill/>
+        </p:spPr>
+        <p:txBody>
+          <a:bodyPr wrap="none" rtlCol="0">
+            <a:spAutoFit/>
+          </a:bodyPr>
+          <a:lstStyle/>
+          <a:p>
+            <a:r>
+              <a:rPr lang="de-DE" sz="1000" dirty="0"/>
+              <a:t>Abbildung: Wifi-Modul mit </a:t>
+            </a:r>
+            <a:r>
+              <a:rPr lang="de-DE" sz="1000" dirty="0" err="1"/>
+              <a:t>omnidirektionale</a:t>
+            </a:r>
+            <a:r>
+              <a:rPr lang="de-DE" sz="1000" dirty="0"/>
+              <a:t> Antennen </a:t>
+            </a:r>
+          </a:p>
+          <a:p>
+            <a:r>
+              <a:rPr lang="de-DE" sz="800" dirty="0"/>
+              <a:t>https://</a:t>
+            </a:r>
+            <a:r>
+              <a:rPr lang="de-DE" sz="800" dirty="0" err="1"/>
+              <a:t>cdn.shopify.com</a:t>
+            </a:r>
+            <a:r>
+              <a:rPr lang="de-DE" sz="800" dirty="0"/>
+              <a:t>/s/</a:t>
+            </a:r>
+            <a:r>
+              <a:rPr lang="de-DE" sz="800" dirty="0" err="1"/>
+              <a:t>files</a:t>
+            </a:r>
+            <a:r>
+              <a:rPr lang="de-DE" sz="800" dirty="0"/>
+              <a:t>/1/1439/1668/</a:t>
+            </a:r>
+            <a:r>
+              <a:rPr lang="de-DE" sz="800" dirty="0" err="1"/>
+              <a:t>products</a:t>
+            </a:r>
+            <a:r>
+              <a:rPr lang="de-DE" sz="800" dirty="0"/>
+              <a:t>/UAP-AC-M_Front-2_grande.png?v=1619696313</a:t>
+            </a:r>
+          </a:p>
+        </p:txBody>
+      </p:sp>
+    </p:spTree>
+    <p:extLst>
+      <p:ext uri="{BB962C8B-B14F-4D97-AF65-F5344CB8AC3E}">
+        <p14:creationId xmlns:p14="http://schemas.microsoft.com/office/powerpoint/2010/main" val="904689980"/>
+      </p:ext>
+    </p:extLst>
+  </p:cSld>
+  <p:clrMapOvr>
+    <a:masterClrMapping/>
+  </p:clrMapOvr>
+</p:sld>
+</file>
+
+<file path=ppt/slides/slide2.xml><?xml version="1.0" encoding="utf-8"?>
+<p:sld xmlns:a="http://schemas.openxmlformats.org/drawingml/2006/main" xmlns:r="http://schemas.openxmlformats.org/officeDocument/2006/relationships" xmlns:p="http://schemas.openxmlformats.org/presentationml/2006/main">
+  <p:cSld>
+    <p:spTree>
+      <p:nvGrpSpPr>
+        <p:cNvPr id="1" name=""/>
+        <p:cNvGrpSpPr/>
+        <p:nvPr/>
+      </p:nvGrpSpPr>
+      <p:grpSpPr>
+        <a:xfrm>
+          <a:off x="0" y="0"/>
+          <a:ext cx="0" cy="0"/>
+          <a:chOff x="0" y="0"/>
+          <a:chExt cx="0" cy="0"/>
+        </a:xfrm>
+      </p:grpSpPr>
+      <p:sp>
+        <p:nvSpPr>
+          <p:cNvPr id="2" name="Textplatzhalter 1">
+            <a:extLst>
+              <a:ext uri="{FF2B5EF4-FFF2-40B4-BE49-F238E27FC236}">
+                <a16:creationId xmlns:a16="http://schemas.microsoft.com/office/drawing/2014/main" id="{1AE10F93-F8E3-2FA9-E53C-5DD02BA4871E}"/>
+              </a:ext>
+            </a:extLst>
+          </p:cNvPr>
+          <p:cNvSpPr>
+            <a:spLocks noGrp="1"/>
+          </p:cNvSpPr>
+          <p:nvPr>
+            <p:ph type="body" sz="quarter" idx="15"/>
+          </p:nvPr>
+        </p:nvSpPr>
+        <p:spPr/>
+        <p:txBody>
+          <a:bodyPr/>
+          <a:lstStyle/>
           <a:p>
             <a:pPr marL="171450" indent="-171450">
               <a:buFontTx/>
@@ -17099,7 +17429,7 @@
               <a:pPr>
                 <a:defRPr/>
               </a:pPr>
-              <a:t>1</a:t>
+              <a:t>2</a:t>
             </a:fld>
             <a:endParaRPr lang="de-DE" dirty="0"/>
           </a:p>
@@ -17108,7 +17438,7 @@
     </p:spTree>
     <p:extLst>
       <p:ext uri="{BB962C8B-B14F-4D97-AF65-F5344CB8AC3E}">
-        <p14:creationId xmlns:p14="http://schemas.microsoft.com/office/powerpoint/2010/main" val="904689980"/>
+        <p14:creationId xmlns:p14="http://schemas.microsoft.com/office/powerpoint/2010/main" val="1226623642"/>
       </p:ext>
     </p:extLst>
   </p:cSld>
@@ -17118,7 +17448,7 @@
 </p:sld>
 </file>
 
-<file path=ppt/slides/slide2.xml><?xml version="1.0" encoding="utf-8"?>
+<file path=ppt/slides/slide3.xml><?xml version="1.0" encoding="utf-8"?>
 <p:sld xmlns:a="http://schemas.openxmlformats.org/drawingml/2006/main" xmlns:r="http://schemas.openxmlformats.org/officeDocument/2006/relationships" xmlns:p="http://schemas.openxmlformats.org/presentationml/2006/main">
   <p:cSld>
     <p:spTree>
@@ -17297,7 +17627,7 @@
               <a:pPr>
                 <a:defRPr/>
               </a:pPr>
-              <a:t>2</a:t>
+              <a:t>3</a:t>
             </a:fld>
             <a:endParaRPr lang="de-DE" dirty="0"/>
           </a:p>
@@ -17658,7 +17988,7 @@
 </p:sld>
 </file>
 
-<file path=ppt/slides/slide3.xml><?xml version="1.0" encoding="utf-8"?>
+<file path=ppt/slides/slide4.xml><?xml version="1.0" encoding="utf-8"?>
 <p:sld xmlns:a="http://schemas.openxmlformats.org/drawingml/2006/main" xmlns:r="http://schemas.openxmlformats.org/officeDocument/2006/relationships" xmlns:p="http://schemas.openxmlformats.org/presentationml/2006/main">
   <p:cSld>
     <p:spTree>
@@ -17702,190 +18032,23 @@
             </a:r>
           </a:p>
           <a:p>
-            <a:endParaRPr lang="de-DE" dirty="0"/>
-          </a:p>
-        </p:txBody>
-      </p:sp>
-      <p:sp>
-        <p:nvSpPr>
-          <p:cNvPr id="3" name="Titel 2">
-            <a:extLst>
-              <a:ext uri="{FF2B5EF4-FFF2-40B4-BE49-F238E27FC236}">
-                <a16:creationId xmlns:a16="http://schemas.microsoft.com/office/drawing/2014/main" id="{11B560B1-4AE4-11AA-A4E3-BED1CBA7D438}"/>
-              </a:ext>
-            </a:extLst>
-          </p:cNvPr>
-          <p:cNvSpPr>
-            <a:spLocks noGrp="1"/>
-          </p:cNvSpPr>
-          <p:nvPr>
-            <p:ph type="title"/>
-          </p:nvPr>
-        </p:nvSpPr>
-        <p:spPr/>
-        <p:txBody>
-          <a:bodyPr>
-            <a:normAutofit fontScale="90000"/>
-          </a:bodyPr>
-          <a:lstStyle/>
-          <a:p>
             <a:r>
-              <a:rPr lang="de-DE" dirty="0"/>
-              <a:t>Datenlink und Videoübertragung</a:t>
+              <a:rPr lang="de-DE" sz="1600" dirty="0"/>
+              <a:t>- Implementierung der </a:t>
             </a:r>
-          </a:p>
-        </p:txBody>
-      </p:sp>
-      <p:sp>
-        <p:nvSpPr>
-          <p:cNvPr id="4" name="Untertitel 3">
-            <a:extLst>
-              <a:ext uri="{FF2B5EF4-FFF2-40B4-BE49-F238E27FC236}">
-                <a16:creationId xmlns:a16="http://schemas.microsoft.com/office/drawing/2014/main" id="{2826E5AC-4ED8-1BA2-EE16-98F256669898}"/>
-              </a:ext>
-            </a:extLst>
-          </p:cNvPr>
-          <p:cNvSpPr>
-            <a:spLocks noGrp="1"/>
-          </p:cNvSpPr>
-          <p:nvPr>
-            <p:ph type="subTitle" idx="1"/>
-          </p:nvPr>
-        </p:nvSpPr>
-        <p:spPr/>
-        <p:txBody>
-          <a:bodyPr/>
-          <a:lstStyle/>
-          <a:p>
             <a:r>
-              <a:rPr lang="de-DE" dirty="0" err="1"/>
+              <a:rPr lang="de-DE" sz="1600" dirty="0" err="1"/>
               <a:t>Gstreamer</a:t>
             </a:r>
             <a:r>
-              <a:rPr lang="de-DE" dirty="0"/>
-              <a:t> Pipeline</a:t>
+              <a:rPr lang="de-DE" sz="1600" dirty="0"/>
+              <a:t>-Pipeline in das </a:t>
             </a:r>
-          </a:p>
-        </p:txBody>
-      </p:sp>
-      <p:sp>
-        <p:nvSpPr>
-          <p:cNvPr id="5" name="Foliennummernplatzhalter 4">
-            <a:extLst>
-              <a:ext uri="{FF2B5EF4-FFF2-40B4-BE49-F238E27FC236}">
-                <a16:creationId xmlns:a16="http://schemas.microsoft.com/office/drawing/2014/main" id="{C787A717-08A6-9E0D-65D4-234208B4A33A}"/>
-              </a:ext>
-            </a:extLst>
-          </p:cNvPr>
-          <p:cNvSpPr>
-            <a:spLocks noGrp="1"/>
-          </p:cNvSpPr>
-          <p:nvPr>
-            <p:ph type="sldNum" sz="quarter" idx="16"/>
-          </p:nvPr>
-        </p:nvSpPr>
-        <p:spPr/>
-        <p:txBody>
-          <a:bodyPr/>
-          <a:lstStyle/>
-          <a:p>
-            <a:pPr>
-              <a:defRPr/>
-            </a:pPr>
-            <a:fld id="{FBA07125-F287-674A-B4D8-FED3251FDE20}" type="slidenum">
-              <a:rPr lang="de-DE" smtClean="0"/>
-              <a:pPr>
-                <a:defRPr/>
-              </a:pPr>
-              <a:t>3</a:t>
-            </a:fld>
-            <a:endParaRPr lang="de-DE" dirty="0"/>
-          </a:p>
-        </p:txBody>
-      </p:sp>
-      <p:graphicFrame>
-        <p:nvGraphicFramePr>
-          <p:cNvPr id="6" name="Diagramm 5">
-            <a:extLst>
-              <a:ext uri="{FF2B5EF4-FFF2-40B4-BE49-F238E27FC236}">
-                <a16:creationId xmlns:a16="http://schemas.microsoft.com/office/drawing/2014/main" id="{9B6496DB-F213-86CC-6578-3A0F8A4AB896}"/>
-              </a:ext>
-            </a:extLst>
-          </p:cNvPr>
-          <p:cNvGraphicFramePr/>
-          <p:nvPr>
-            <p:extLst>
-              <p:ext uri="{D42A27DB-BD31-4B8C-83A1-F6EECF244321}">
-                <p14:modId xmlns:p14="http://schemas.microsoft.com/office/powerpoint/2010/main" val="471002558"/>
-              </p:ext>
-            </p:extLst>
-          </p:nvPr>
-        </p:nvGraphicFramePr>
-        <p:xfrm>
-          <a:off x="632033" y="2057207"/>
-          <a:ext cx="11206014" cy="2083982"/>
-        </p:xfrm>
-        <a:graphic>
-          <a:graphicData uri="http://schemas.openxmlformats.org/drawingml/2006/diagram">
-            <dgm:relIds xmlns:dgm="http://schemas.openxmlformats.org/drawingml/2006/diagram" xmlns:r="http://schemas.openxmlformats.org/officeDocument/2006/relationships" r:dm="rId2" r:lo="rId3" r:qs="rId4" r:cs="rId5"/>
-          </a:graphicData>
-        </a:graphic>
-      </p:graphicFrame>
-    </p:spTree>
-    <p:extLst>
-      <p:ext uri="{BB962C8B-B14F-4D97-AF65-F5344CB8AC3E}">
-        <p14:creationId xmlns:p14="http://schemas.microsoft.com/office/powerpoint/2010/main" val="2833633078"/>
-      </p:ext>
-    </p:extLst>
-  </p:cSld>
-  <p:clrMapOvr>
-    <a:masterClrMapping/>
-  </p:clrMapOvr>
-</p:sld>
-</file>
-
-<file path=ppt/slides/slide4.xml><?xml version="1.0" encoding="utf-8"?>
-<p:sld xmlns:a="http://schemas.openxmlformats.org/drawingml/2006/main" xmlns:r="http://schemas.openxmlformats.org/officeDocument/2006/relationships" xmlns:p="http://schemas.openxmlformats.org/presentationml/2006/main">
-  <p:cSld>
-    <p:spTree>
-      <p:nvGrpSpPr>
-        <p:cNvPr id="1" name=""/>
-        <p:cNvGrpSpPr/>
-        <p:nvPr/>
-      </p:nvGrpSpPr>
-      <p:grpSpPr>
-        <a:xfrm>
-          <a:off x="0" y="0"/>
-          <a:ext cx="0" cy="0"/>
-          <a:chOff x="0" y="0"/>
-          <a:chExt cx="0" cy="0"/>
-        </a:xfrm>
-      </p:grpSpPr>
-      <p:sp>
-        <p:nvSpPr>
-          <p:cNvPr id="2" name="Textplatzhalter 1">
-            <a:extLst>
-              <a:ext uri="{FF2B5EF4-FFF2-40B4-BE49-F238E27FC236}">
-                <a16:creationId xmlns:a16="http://schemas.microsoft.com/office/drawing/2014/main" id="{640E40DF-3561-D240-4920-C6480B8BF026}"/>
-              </a:ext>
-            </a:extLst>
-          </p:cNvPr>
-          <p:cNvSpPr>
-            <a:spLocks noGrp="1"/>
-          </p:cNvSpPr>
-          <p:nvPr>
-            <p:ph type="body" sz="quarter" idx="15"/>
-          </p:nvPr>
-        </p:nvSpPr>
-        <p:spPr/>
-        <p:txBody>
-          <a:bodyPr/>
-          <a:lstStyle/>
-          <a:p>
             <a:r>
-              <a:rPr lang="de-DE" sz="1600" dirty="0"/>
-              <a:t>Empfänger:</a:t>
+              <a:rPr lang="de-DE" sz="1600" dirty="0" err="1"/>
+              <a:t>Stitching</a:t>
             </a:r>
+            <a:endParaRPr lang="de-DE" sz="1600" dirty="0"/>
           </a:p>
           <a:p>
             <a:endParaRPr lang="de-DE" dirty="0"/>
@@ -18002,6 +18165,198 @@
           <p:nvPr>
             <p:extLst>
               <p:ext uri="{D42A27DB-BD31-4B8C-83A1-F6EECF244321}">
+                <p14:modId xmlns:p14="http://schemas.microsoft.com/office/powerpoint/2010/main" val="1650997541"/>
+              </p:ext>
+            </p:extLst>
+          </p:nvPr>
+        </p:nvGraphicFramePr>
+        <p:xfrm>
+          <a:off x="632032" y="2371059"/>
+          <a:ext cx="11152599" cy="1994045"/>
+        </p:xfrm>
+        <a:graphic>
+          <a:graphicData uri="http://schemas.openxmlformats.org/drawingml/2006/diagram">
+            <dgm:relIds xmlns:dgm="http://schemas.openxmlformats.org/drawingml/2006/diagram" xmlns:r="http://schemas.openxmlformats.org/officeDocument/2006/relationships" r:dm="rId2" r:lo="rId3" r:qs="rId4" r:cs="rId5"/>
+          </a:graphicData>
+        </a:graphic>
+      </p:graphicFrame>
+    </p:spTree>
+    <p:extLst>
+      <p:ext uri="{BB962C8B-B14F-4D97-AF65-F5344CB8AC3E}">
+        <p14:creationId xmlns:p14="http://schemas.microsoft.com/office/powerpoint/2010/main" val="2833633078"/>
+      </p:ext>
+    </p:extLst>
+  </p:cSld>
+  <p:clrMapOvr>
+    <a:masterClrMapping/>
+  </p:clrMapOvr>
+</p:sld>
+</file>
+
+<file path=ppt/slides/slide5.xml><?xml version="1.0" encoding="utf-8"?>
+<p:sld xmlns:a="http://schemas.openxmlformats.org/drawingml/2006/main" xmlns:r="http://schemas.openxmlformats.org/officeDocument/2006/relationships" xmlns:p="http://schemas.openxmlformats.org/presentationml/2006/main">
+  <p:cSld>
+    <p:spTree>
+      <p:nvGrpSpPr>
+        <p:cNvPr id="1" name=""/>
+        <p:cNvGrpSpPr/>
+        <p:nvPr/>
+      </p:nvGrpSpPr>
+      <p:grpSpPr>
+        <a:xfrm>
+          <a:off x="0" y="0"/>
+          <a:ext cx="0" cy="0"/>
+          <a:chOff x="0" y="0"/>
+          <a:chExt cx="0" cy="0"/>
+        </a:xfrm>
+      </p:grpSpPr>
+      <p:sp>
+        <p:nvSpPr>
+          <p:cNvPr id="2" name="Textplatzhalter 1">
+            <a:extLst>
+              <a:ext uri="{FF2B5EF4-FFF2-40B4-BE49-F238E27FC236}">
+                <a16:creationId xmlns:a16="http://schemas.microsoft.com/office/drawing/2014/main" id="{640E40DF-3561-D240-4920-C6480B8BF026}"/>
+              </a:ext>
+            </a:extLst>
+          </p:cNvPr>
+          <p:cNvSpPr>
+            <a:spLocks noGrp="1"/>
+          </p:cNvSpPr>
+          <p:nvPr>
+            <p:ph type="body" sz="quarter" idx="15"/>
+          </p:nvPr>
+        </p:nvSpPr>
+        <p:spPr/>
+        <p:txBody>
+          <a:bodyPr/>
+          <a:lstStyle/>
+          <a:p>
+            <a:r>
+              <a:rPr lang="de-DE" sz="1600" dirty="0"/>
+              <a:t>Empfänger:</a:t>
+            </a:r>
+          </a:p>
+          <a:p>
+            <a:r>
+              <a:rPr lang="de-DE" sz="1600" dirty="0"/>
+              <a:t>- Ausführung im Terminal</a:t>
+            </a:r>
+          </a:p>
+          <a:p>
+            <a:endParaRPr lang="de-DE" dirty="0"/>
+          </a:p>
+        </p:txBody>
+      </p:sp>
+      <p:sp>
+        <p:nvSpPr>
+          <p:cNvPr id="3" name="Titel 2">
+            <a:extLst>
+              <a:ext uri="{FF2B5EF4-FFF2-40B4-BE49-F238E27FC236}">
+                <a16:creationId xmlns:a16="http://schemas.microsoft.com/office/drawing/2014/main" id="{11B560B1-4AE4-11AA-A4E3-BED1CBA7D438}"/>
+              </a:ext>
+            </a:extLst>
+          </p:cNvPr>
+          <p:cNvSpPr>
+            <a:spLocks noGrp="1"/>
+          </p:cNvSpPr>
+          <p:nvPr>
+            <p:ph type="title"/>
+          </p:nvPr>
+        </p:nvSpPr>
+        <p:spPr/>
+        <p:txBody>
+          <a:bodyPr>
+            <a:normAutofit fontScale="90000"/>
+          </a:bodyPr>
+          <a:lstStyle/>
+          <a:p>
+            <a:r>
+              <a:rPr lang="de-DE" dirty="0"/>
+              <a:t>Datenlink und Videoübertragung</a:t>
+            </a:r>
+          </a:p>
+        </p:txBody>
+      </p:sp>
+      <p:sp>
+        <p:nvSpPr>
+          <p:cNvPr id="4" name="Untertitel 3">
+            <a:extLst>
+              <a:ext uri="{FF2B5EF4-FFF2-40B4-BE49-F238E27FC236}">
+                <a16:creationId xmlns:a16="http://schemas.microsoft.com/office/drawing/2014/main" id="{2826E5AC-4ED8-1BA2-EE16-98F256669898}"/>
+              </a:ext>
+            </a:extLst>
+          </p:cNvPr>
+          <p:cNvSpPr>
+            <a:spLocks noGrp="1"/>
+          </p:cNvSpPr>
+          <p:nvPr>
+            <p:ph type="subTitle" idx="1"/>
+          </p:nvPr>
+        </p:nvSpPr>
+        <p:spPr/>
+        <p:txBody>
+          <a:bodyPr/>
+          <a:lstStyle/>
+          <a:p>
+            <a:r>
+              <a:rPr lang="de-DE" dirty="0" err="1"/>
+              <a:t>Gstreamer</a:t>
+            </a:r>
+            <a:r>
+              <a:rPr lang="de-DE" dirty="0"/>
+              <a:t> Pipeline</a:t>
+            </a:r>
+          </a:p>
+        </p:txBody>
+      </p:sp>
+      <p:sp>
+        <p:nvSpPr>
+          <p:cNvPr id="5" name="Foliennummernplatzhalter 4">
+            <a:extLst>
+              <a:ext uri="{FF2B5EF4-FFF2-40B4-BE49-F238E27FC236}">
+                <a16:creationId xmlns:a16="http://schemas.microsoft.com/office/drawing/2014/main" id="{C787A717-08A6-9E0D-65D4-234208B4A33A}"/>
+              </a:ext>
+            </a:extLst>
+          </p:cNvPr>
+          <p:cNvSpPr>
+            <a:spLocks noGrp="1"/>
+          </p:cNvSpPr>
+          <p:nvPr>
+            <p:ph type="sldNum" sz="quarter" idx="16"/>
+          </p:nvPr>
+        </p:nvSpPr>
+        <p:spPr/>
+        <p:txBody>
+          <a:bodyPr/>
+          <a:lstStyle/>
+          <a:p>
+            <a:pPr>
+              <a:defRPr/>
+            </a:pPr>
+            <a:fld id="{FBA07125-F287-674A-B4D8-FED3251FDE20}" type="slidenum">
+              <a:rPr lang="de-DE" smtClean="0"/>
+              <a:pPr>
+                <a:defRPr/>
+              </a:pPr>
+              <a:t>5</a:t>
+            </a:fld>
+            <a:endParaRPr lang="de-DE" dirty="0"/>
+          </a:p>
+        </p:txBody>
+      </p:sp>
+      <p:graphicFrame>
+        <p:nvGraphicFramePr>
+          <p:cNvPr id="6" name="Diagramm 5">
+            <a:extLst>
+              <a:ext uri="{FF2B5EF4-FFF2-40B4-BE49-F238E27FC236}">
+                <a16:creationId xmlns:a16="http://schemas.microsoft.com/office/drawing/2014/main" id="{9B6496DB-F213-86CC-6578-3A0F8A4AB896}"/>
+              </a:ext>
+            </a:extLst>
+          </p:cNvPr>
+          <p:cNvGraphicFramePr/>
+          <p:nvPr>
+            <p:extLst>
+              <p:ext uri="{D42A27DB-BD31-4B8C-83A1-F6EECF244321}">
                 <p14:modId xmlns:p14="http://schemas.microsoft.com/office/powerpoint/2010/main" val="1602805615"/>
               </p:ext>
             </p:extLst>
@@ -18087,7 +18442,7 @@
         </p:nvSpPr>
         <p:spPr>
           <a:xfrm rot="18477999">
-            <a:off x="5935433" y="2927945"/>
+            <a:off x="5867399" y="2893811"/>
             <a:ext cx="457200" cy="308344"/>
           </a:xfrm>
           <a:prstGeom prst="rightArrow">
@@ -18131,7 +18486,7 @@
         </p:nvSpPr>
         <p:spPr>
           <a:xfrm rot="2494248">
-            <a:off x="5924289" y="4506126"/>
+            <a:off x="5867400" y="4506127"/>
             <a:ext cx="457200" cy="308344"/>
           </a:xfrm>
           <a:prstGeom prst="rightArrow">

--- a/Datalink und Videostream.pptx
+++ b/Datalink und Videostream.pptx
@@ -15622,14 +15622,14 @@
           </a:ln>
           <a:extLst>
             <a:ext uri="{909E8E84-426E-40dd-AFC4-6F175D3DCCD1}">
-              <a14:hiddenFill xmlns="" xmlns:a14="http://schemas.microsoft.com/office/drawing/2010/main">
+              <a14:hiddenFill xmlns:a14="http://schemas.microsoft.com/office/drawing/2010/main" xmlns="">
                 <a:solidFill>
                   <a:srgbClr val="FFFFFF"/>
                 </a:solidFill>
               </a14:hiddenFill>
             </a:ext>
             <a:ext uri="{91240B29-F687-4f45-9708-019B960494DF}">
-              <a14:hiddenLine xmlns="" xmlns:a14="http://schemas.microsoft.com/office/drawing/2010/main" w="9525">
+              <a14:hiddenLine xmlns:a14="http://schemas.microsoft.com/office/drawing/2010/main" xmlns="" w="9525">
                 <a:solidFill>
                   <a:srgbClr val="000000"/>
                 </a:solidFill>
@@ -15639,7 +15639,7 @@
               </a14:hiddenLine>
             </a:ext>
             <a:ext uri="{FAA26D3D-D897-4be2-8F04-BA451C77F1D7}">
-              <ma14:placeholderFlag xmlns="" xmlns:ma14="http://schemas.microsoft.com/office/mac/drawingml/2011/main" val="1"/>
+              <ma14:placeholderFlag xmlns:ma14="http://schemas.microsoft.com/office/mac/drawingml/2011/main" xmlns="" val="1"/>
             </a:ext>
           </a:extLst>
         </p:spPr>
@@ -15683,14 +15683,14 @@
           </a:ln>
           <a:extLst>
             <a:ext uri="{909E8E84-426E-40dd-AFC4-6F175D3DCCD1}">
-              <a14:hiddenFill xmlns="" xmlns:a14="http://schemas.microsoft.com/office/drawing/2010/main">
+              <a14:hiddenFill xmlns:a14="http://schemas.microsoft.com/office/drawing/2010/main" xmlns="">
                 <a:solidFill>
                   <a:srgbClr val="FFFFFF"/>
                 </a:solidFill>
               </a14:hiddenFill>
             </a:ext>
             <a:ext uri="{91240B29-F687-4f45-9708-019B960494DF}">
-              <a14:hiddenLine xmlns="" xmlns:a14="http://schemas.microsoft.com/office/drawing/2010/main" w="9525">
+              <a14:hiddenLine xmlns:a14="http://schemas.microsoft.com/office/drawing/2010/main" xmlns="" w="9525">
                 <a:solidFill>
                   <a:srgbClr val="000000"/>
                 </a:solidFill>
@@ -15700,7 +15700,7 @@
               </a14:hiddenLine>
             </a:ext>
             <a:ext uri="{FAA26D3D-D897-4be2-8F04-BA451C77F1D7}">
-              <ma14:placeholderFlag xmlns="" xmlns:ma14="http://schemas.microsoft.com/office/mac/drawingml/2011/main" val="1"/>
+              <ma14:placeholderFlag xmlns:ma14="http://schemas.microsoft.com/office/mac/drawingml/2011/main" xmlns="" val="1"/>
             </a:ext>
           </a:extLst>
         </p:spPr>
@@ -15824,14 +15824,14 @@
           </a:ln>
           <a:extLst>
             <a:ext uri="{909E8E84-426E-40dd-AFC4-6F175D3DCCD1}">
-              <a14:hiddenFill xmlns="" xmlns:a14="http://schemas.microsoft.com/office/drawing/2010/main">
+              <a14:hiddenFill xmlns:a14="http://schemas.microsoft.com/office/drawing/2010/main" xmlns="">
                 <a:solidFill>
                   <a:srgbClr val="FFFFFF"/>
                 </a:solidFill>
               </a14:hiddenFill>
             </a:ext>
             <a:ext uri="{91240B29-F687-4f45-9708-019B960494DF}">
-              <a14:hiddenLine xmlns="" xmlns:a14="http://schemas.microsoft.com/office/drawing/2010/main" w="9525">
+              <a14:hiddenLine xmlns:a14="http://schemas.microsoft.com/office/drawing/2010/main" xmlns="" w="9525">
                 <a:solidFill>
                   <a:srgbClr val="000000"/>
                 </a:solidFill>
@@ -17985,6 +17985,199 @@
   <p:clrMapOvr>
     <a:masterClrMapping/>
   </p:clrMapOvr>
+  <p:timing>
+    <p:tnLst>
+      <p:par>
+        <p:cTn id="1" dur="indefinite" restart="never" nodeType="tmRoot">
+          <p:childTnLst>
+            <p:seq concurrent="1" nextAc="seek">
+              <p:cTn id="2" dur="indefinite" nodeType="mainSeq">
+                <p:childTnLst>
+                  <p:par>
+                    <p:cTn id="3" fill="hold">
+                      <p:stCondLst>
+                        <p:cond delay="indefinite"/>
+                      </p:stCondLst>
+                      <p:childTnLst>
+                        <p:par>
+                          <p:cTn id="4" fill="hold">
+                            <p:stCondLst>
+                              <p:cond delay="0"/>
+                            </p:stCondLst>
+                            <p:childTnLst>
+                              <p:par>
+                                <p:cTn id="5" presetID="1" presetClass="entr" presetSubtype="0" fill="hold" grpId="0" nodeType="clickEffect">
+                                  <p:stCondLst>
+                                    <p:cond delay="0"/>
+                                  </p:stCondLst>
+                                  <p:childTnLst>
+                                    <p:set>
+                                      <p:cBhvr>
+                                        <p:cTn id="6" dur="1" fill="hold">
+                                          <p:stCondLst>
+                                            <p:cond delay="0"/>
+                                          </p:stCondLst>
+                                        </p:cTn>
+                                        <p:tgtEl>
+                                          <p:spTgt spid="2">
+                                            <p:txEl>
+                                              <p:pRg st="0" end="0"/>
+                                            </p:txEl>
+                                          </p:spTgt>
+                                        </p:tgtEl>
+                                        <p:attrNameLst>
+                                          <p:attrName>style.visibility</p:attrName>
+                                        </p:attrNameLst>
+                                      </p:cBhvr>
+                                      <p:to>
+                                        <p:strVal val="visible"/>
+                                      </p:to>
+                                    </p:set>
+                                  </p:childTnLst>
+                                </p:cTn>
+                              </p:par>
+                            </p:childTnLst>
+                          </p:cTn>
+                        </p:par>
+                      </p:childTnLst>
+                    </p:cTn>
+                  </p:par>
+                  <p:par>
+                    <p:cTn id="7" fill="hold">
+                      <p:stCondLst>
+                        <p:cond delay="indefinite"/>
+                      </p:stCondLst>
+                      <p:childTnLst>
+                        <p:par>
+                          <p:cTn id="8" fill="hold">
+                            <p:stCondLst>
+                              <p:cond delay="0"/>
+                            </p:stCondLst>
+                            <p:childTnLst>
+                              <p:par>
+                                <p:cTn id="9" presetID="1" presetClass="entr" presetSubtype="0" fill="hold" grpId="0" nodeType="clickEffect">
+                                  <p:stCondLst>
+                                    <p:cond delay="0"/>
+                                  </p:stCondLst>
+                                  <p:childTnLst>
+                                    <p:set>
+                                      <p:cBhvr>
+                                        <p:cTn id="10" dur="1" fill="hold">
+                                          <p:stCondLst>
+                                            <p:cond delay="0"/>
+                                          </p:stCondLst>
+                                        </p:cTn>
+                                        <p:tgtEl>
+                                          <p:spTgt spid="2">
+                                            <p:txEl>
+                                              <p:pRg st="1" end="1"/>
+                                            </p:txEl>
+                                          </p:spTgt>
+                                        </p:tgtEl>
+                                        <p:attrNameLst>
+                                          <p:attrName>style.visibility</p:attrName>
+                                        </p:attrNameLst>
+                                      </p:cBhvr>
+                                      <p:to>
+                                        <p:strVal val="visible"/>
+                                      </p:to>
+                                    </p:set>
+                                  </p:childTnLst>
+                                </p:cTn>
+                              </p:par>
+                              <p:par>
+                                <p:cTn id="11" presetID="1" presetClass="entr" presetSubtype="0" fill="hold" grpId="0" nodeType="withEffect">
+                                  <p:stCondLst>
+                                    <p:cond delay="0"/>
+                                  </p:stCondLst>
+                                  <p:childTnLst>
+                                    <p:set>
+                                      <p:cBhvr>
+                                        <p:cTn id="12" dur="1" fill="hold">
+                                          <p:stCondLst>
+                                            <p:cond delay="0"/>
+                                          </p:stCondLst>
+                                        </p:cTn>
+                                        <p:tgtEl>
+                                          <p:spTgt spid="2">
+                                            <p:txEl>
+                                              <p:pRg st="2" end="2"/>
+                                            </p:txEl>
+                                          </p:spTgt>
+                                        </p:tgtEl>
+                                        <p:attrNameLst>
+                                          <p:attrName>style.visibility</p:attrName>
+                                        </p:attrNameLst>
+                                      </p:cBhvr>
+                                      <p:to>
+                                        <p:strVal val="visible"/>
+                                      </p:to>
+                                    </p:set>
+                                  </p:childTnLst>
+                                </p:cTn>
+                              </p:par>
+                              <p:par>
+                                <p:cTn id="13" presetID="1" presetClass="entr" presetSubtype="0" fill="hold" grpId="0" nodeType="withEffect">
+                                  <p:stCondLst>
+                                    <p:cond delay="0"/>
+                                  </p:stCondLst>
+                                  <p:childTnLst>
+                                    <p:set>
+                                      <p:cBhvr>
+                                        <p:cTn id="14" dur="1" fill="hold">
+                                          <p:stCondLst>
+                                            <p:cond delay="0"/>
+                                          </p:stCondLst>
+                                        </p:cTn>
+                                        <p:tgtEl>
+                                          <p:spTgt spid="2">
+                                            <p:txEl>
+                                              <p:pRg st="3" end="3"/>
+                                            </p:txEl>
+                                          </p:spTgt>
+                                        </p:tgtEl>
+                                        <p:attrNameLst>
+                                          <p:attrName>style.visibility</p:attrName>
+                                        </p:attrNameLst>
+                                      </p:cBhvr>
+                                      <p:to>
+                                        <p:strVal val="visible"/>
+                                      </p:to>
+                                    </p:set>
+                                  </p:childTnLst>
+                                </p:cTn>
+                              </p:par>
+                            </p:childTnLst>
+                          </p:cTn>
+                        </p:par>
+                      </p:childTnLst>
+                    </p:cTn>
+                  </p:par>
+                </p:childTnLst>
+              </p:cTn>
+              <p:prevCondLst>
+                <p:cond evt="onPrev" delay="0">
+                  <p:tgtEl>
+                    <p:sldTgt/>
+                  </p:tgtEl>
+                </p:cond>
+              </p:prevCondLst>
+              <p:nextCondLst>
+                <p:cond evt="onNext" delay="0">
+                  <p:tgtEl>
+                    <p:sldTgt/>
+                  </p:tgtEl>
+                </p:cond>
+              </p:nextCondLst>
+            </p:seq>
+          </p:childTnLst>
+        </p:cTn>
+      </p:par>
+    </p:tnLst>
+    <p:bldLst>
+      <p:bldP spid="2" grpId="0" build="p"/>
+    </p:bldLst>
+  </p:timing>
 </p:sld>
 </file>
 
@@ -19411,6 +19604,19 @@
 </file>
 
 <file path=customXml/item1.xml><?xml version="1.0" encoding="utf-8"?>
+<p:properties xmlns:p="http://schemas.microsoft.com/office/2006/metadata/properties" xmlns:xsi="http://www.w3.org/2001/XMLSchema-instance" xmlns:pc="http://schemas.microsoft.com/office/infopath/2007/PartnerControls">
+  <documentManagement>
+    <Kategorie xmlns="3ea1445a-e6f2-4b21-90f1-4e4a5aca6572">Vorlagen Präsentationen 16:9</Kategorie>
+    <_dlc_DocId xmlns="bfb11438-62cb-48e0-8e08-adb7b8077717">4ZPPNAQV5EQV-6530471-237</_dlc_DocId>
+    <_dlc_DocIdUrl xmlns="bfb11438-62cb-48e0-8e08-adb7b8077717">
+      <Url>https://mythi.de/_layouts/15/DocIdRedir.aspx?ID=4ZPPNAQV5EQV-6530471-237</Url>
+      <Description>4ZPPNAQV5EQV-6530471-237</Description>
+    </_dlc_DocIdUrl>
+  </documentManagement>
+</p:properties>
+</file>
+
+<file path=customXml/item2.xml><?xml version="1.0" encoding="utf-8"?>
 <?mso-contentType ?>
 <spe:Receivers xmlns:spe="http://schemas.microsoft.com/sharepoint/events">
   <Receiver>
@@ -19504,20 +19710,16 @@
 </spe:Receivers>
 </file>
 
-<file path=customXml/item2.xml><?xml version="1.0" encoding="utf-8"?>
-<p:properties xmlns:p="http://schemas.microsoft.com/office/2006/metadata/properties" xmlns:xsi="http://www.w3.org/2001/XMLSchema-instance" xmlns:pc="http://schemas.microsoft.com/office/infopath/2007/PartnerControls">
-  <documentManagement>
-    <Kategorie xmlns="3ea1445a-e6f2-4b21-90f1-4e4a5aca6572">Vorlagen Präsentationen 16:9</Kategorie>
-    <_dlc_DocId xmlns="bfb11438-62cb-48e0-8e08-adb7b8077717">4ZPPNAQV5EQV-6530471-237</_dlc_DocId>
-    <_dlc_DocIdUrl xmlns="bfb11438-62cb-48e0-8e08-adb7b8077717">
-      <Url>https://mythi.de/_layouts/15/DocIdRedir.aspx?ID=4ZPPNAQV5EQV-6530471-237</Url>
-      <Description>4ZPPNAQV5EQV-6530471-237</Description>
-    </_dlc_DocIdUrl>
-  </documentManagement>
-</p:properties>
+<file path=customXml/item3.xml><?xml version="1.0" encoding="utf-8"?>
+<?mso-contentType ?>
+<FormTemplates xmlns="http://schemas.microsoft.com/sharepoint/v3/contenttype/forms">
+  <Display>DocumentLibraryForm</Display>
+  <Edit>DocumentLibraryForm</Edit>
+  <New>DocumentLibraryForm</New>
+</FormTemplates>
 </file>
 
-<file path=customXml/item3.xml><?xml version="1.0" encoding="utf-8"?>
+<file path=customXml/item4.xml><?xml version="1.0" encoding="utf-8"?>
 <ct:contentTypeSchema xmlns:ct="http://schemas.microsoft.com/office/2006/metadata/contentType" xmlns:ma="http://schemas.microsoft.com/office/2006/metadata/properties/metaAttributes" ct:_="" ma:_="" ma:contentTypeName="Dokument" ma:contentTypeID="0x01010078AB19A0A86D2148BE9E8CA48E53677F" ma:contentTypeVersion="2" ma:contentTypeDescription="Ein neues Dokument erstellen." ma:contentTypeScope="" ma:versionID="1e80b2ca2b93bd808485b2d451bc603f">
   <xsd:schema xmlns:xsd="http://www.w3.org/2001/XMLSchema" xmlns:xs="http://www.w3.org/2001/XMLSchema" xmlns:p="http://schemas.microsoft.com/office/2006/metadata/properties" xmlns:ns2="bfb11438-62cb-48e0-8e08-adb7b8077717" xmlns:ns3="3ea1445a-e6f2-4b21-90f1-4e4a5aca6572" xmlns:ns4="bb6f2568-2a10-4a56-89e3-032448edb678" targetNamespace="http://schemas.microsoft.com/office/2006/metadata/properties" ma:root="true" ma:fieldsID="6bdf8fd81a7b586dd79b811828187a67" ns2:_="" ns3:_="" ns4:_="">
     <xsd:import namespace="bfb11438-62cb-48e0-8e08-adb7b8077717"/>
@@ -19711,24 +19913,7 @@
 </ct:contentTypeSchema>
 </file>
 
-<file path=customXml/item4.xml><?xml version="1.0" encoding="utf-8"?>
-<?mso-contentType ?>
-<FormTemplates xmlns="http://schemas.microsoft.com/sharepoint/v3/contenttype/forms">
-  <Display>DocumentLibraryForm</Display>
-  <Edit>DocumentLibraryForm</Edit>
-  <New>DocumentLibraryForm</New>
-</FormTemplates>
-</file>
-
 <file path=customXml/itemProps1.xml><?xml version="1.0" encoding="utf-8"?>
-<ds:datastoreItem xmlns:ds="http://schemas.openxmlformats.org/officeDocument/2006/customXml" ds:itemID="{C90C7402-FDBD-4B5F-A7A1-6AD2340559B8}">
-  <ds:schemaRefs>
-    <ds:schemaRef ds:uri="http://schemas.microsoft.com/sharepoint/events"/>
-  </ds:schemaRefs>
-</ds:datastoreItem>
-</file>
-
-<file path=customXml/itemProps2.xml><?xml version="1.0" encoding="utf-8"?>
 <ds:datastoreItem xmlns:ds="http://schemas.openxmlformats.org/officeDocument/2006/customXml" ds:itemID="{5B5802FD-0FE5-40B9-964E-26CF6C896D54}">
   <ds:schemaRefs>
     <ds:schemaRef ds:uri="http://purl.org/dc/terms/"/>
@@ -19746,7 +19931,23 @@
 </ds:datastoreItem>
 </file>
 
+<file path=customXml/itemProps2.xml><?xml version="1.0" encoding="utf-8"?>
+<ds:datastoreItem xmlns:ds="http://schemas.openxmlformats.org/officeDocument/2006/customXml" ds:itemID="{C90C7402-FDBD-4B5F-A7A1-6AD2340559B8}">
+  <ds:schemaRefs>
+    <ds:schemaRef ds:uri="http://schemas.microsoft.com/sharepoint/events"/>
+  </ds:schemaRefs>
+</ds:datastoreItem>
+</file>
+
 <file path=customXml/itemProps3.xml><?xml version="1.0" encoding="utf-8"?>
+<ds:datastoreItem xmlns:ds="http://schemas.openxmlformats.org/officeDocument/2006/customXml" ds:itemID="{ACE7C72F-ED79-494F-A7ED-1F0FF5B91FF5}">
+  <ds:schemaRefs>
+    <ds:schemaRef ds:uri="http://schemas.microsoft.com/sharepoint/v3/contenttype/forms"/>
+  </ds:schemaRefs>
+</ds:datastoreItem>
+</file>
+
+<file path=customXml/itemProps4.xml><?xml version="1.0" encoding="utf-8"?>
 <ds:datastoreItem xmlns:ds="http://schemas.openxmlformats.org/officeDocument/2006/customXml" ds:itemID="{7C111C41-FBCC-4433-B45C-C3FBA6F15645}">
   <ds:schemaRefs>
     <ds:schemaRef ds:uri="http://schemas.microsoft.com/office/2006/metadata/contentType"/>
@@ -19764,12 +19965,4 @@
     <ds:schemaRef ds:uri="http://schemas.microsoft.com/internal/obd"/>
   </ds:schemaRefs>
 </ds:datastoreItem>
-</file>
-
-<file path=customXml/itemProps4.xml><?xml version="1.0" encoding="utf-8"?>
-<ds:datastoreItem xmlns:ds="http://schemas.openxmlformats.org/officeDocument/2006/customXml" ds:itemID="{ACE7C72F-ED79-494F-A7ED-1F0FF5B91FF5}">
-  <ds:schemaRefs>
-    <ds:schemaRef ds:uri="http://schemas.microsoft.com/sharepoint/v3/contenttype/forms"/>
-  </ds:schemaRefs>
-</ds:datastoreItem>
 </file>